--- a/MATRIX MULTIPLICATION_026.pptx
+++ b/MATRIX MULTIPLICATION_026.pptx
@@ -1,9 +1,12 @@
 
 <file path=ppt/presentation.xml><?xml version="1.0" encoding="utf-8"?>
-<p:presentation xmlns:a="http://schemas.openxmlformats.org/drawingml/2006/main" xmlns:r="http://schemas.openxmlformats.org/officeDocument/2006/relationships" xmlns:p="http://schemas.openxmlformats.org/presentationml/2006/main" saveSubsetFonts="1">
+<p:presentation xmlns:a="http://schemas.openxmlformats.org/drawingml/2006/main" xmlns:r="http://schemas.openxmlformats.org/officeDocument/2006/relationships" xmlns:p="http://schemas.openxmlformats.org/presentationml/2006/main" showSpecialPlsOnTitleSld="0" saveSubsetFonts="1">
   <p:sldMasterIdLst>
     <p:sldMasterId id="2147483648" r:id="rId1"/>
   </p:sldMasterIdLst>
+  <p:notesMasterIdLst>
+    <p:notesMasterId r:id="rId28"/>
+  </p:notesMasterIdLst>
   <p:sldIdLst>
     <p:sldId id="256" r:id="rId2"/>
     <p:sldId id="257" r:id="rId3"/>
@@ -137,6 +140,356 @@
 </p:presentation>
 </file>
 
+<file path=ppt/notesMasters/notesMaster1.xml><?xml version="1.0" encoding="utf-8"?>
+<p:notesMaster xmlns:a="http://schemas.openxmlformats.org/drawingml/2006/main" xmlns:r="http://schemas.openxmlformats.org/officeDocument/2006/relationships" xmlns:p="http://schemas.openxmlformats.org/presentationml/2006/main">
+  <p:cSld>
+    <p:bg>
+      <p:bgRef idx="1001">
+        <a:schemeClr val="bg1"/>
+      </p:bgRef>
+    </p:bg>
+    <p:spTree>
+      <p:nvGrpSpPr>
+        <p:cNvPr id="1" name=""/>
+        <p:cNvGrpSpPr/>
+        <p:nvPr/>
+      </p:nvGrpSpPr>
+      <p:grpSpPr>
+        <a:xfrm>
+          <a:off x="0" y="0"/>
+          <a:ext cx="0" cy="0"/>
+          <a:chOff x="0" y="0"/>
+          <a:chExt cx="0" cy="0"/>
+        </a:xfrm>
+      </p:grpSpPr>
+      <p:sp>
+        <p:nvSpPr>
+          <p:cNvPr id="2" name="Header Placeholder 1"/>
+          <p:cNvSpPr>
+            <a:spLocks noGrp="1"/>
+          </p:cNvSpPr>
+          <p:nvPr>
+            <p:ph type="hdr" sz="quarter"/>
+          </p:nvPr>
+        </p:nvSpPr>
+        <p:spPr>
+          <a:xfrm>
+            <a:off x="0" y="0"/>
+            <a:ext cx="2971800" cy="458788"/>
+          </a:xfrm>
+          <a:prstGeom prst="rect">
+            <a:avLst/>
+          </a:prstGeom>
+        </p:spPr>
+        <p:txBody>
+          <a:bodyPr vert="horz" lIns="91440" tIns="45720" rIns="91440" bIns="45720" rtlCol="0"/>
+          <a:lstStyle>
+            <a:lvl1pPr algn="l">
+              <a:defRPr sz="1200"/>
+            </a:lvl1pPr>
+          </a:lstStyle>
+          <a:p>
+            <a:endParaRPr lang="en-IN"/>
+          </a:p>
+        </p:txBody>
+      </p:sp>
+      <p:sp>
+        <p:nvSpPr>
+          <p:cNvPr id="3" name="Date Placeholder 2"/>
+          <p:cNvSpPr>
+            <a:spLocks noGrp="1"/>
+          </p:cNvSpPr>
+          <p:nvPr>
+            <p:ph type="dt" idx="1"/>
+          </p:nvPr>
+        </p:nvSpPr>
+        <p:spPr>
+          <a:xfrm>
+            <a:off x="3884613" y="0"/>
+            <a:ext cx="2971800" cy="458788"/>
+          </a:xfrm>
+          <a:prstGeom prst="rect">
+            <a:avLst/>
+          </a:prstGeom>
+        </p:spPr>
+        <p:txBody>
+          <a:bodyPr vert="horz" lIns="91440" tIns="45720" rIns="91440" bIns="45720" rtlCol="0"/>
+          <a:lstStyle>
+            <a:lvl1pPr algn="r">
+              <a:defRPr sz="1200"/>
+            </a:lvl1pPr>
+          </a:lstStyle>
+          <a:p>
+            <a:fld id="{5ACE05B7-F3D7-4CDB-B519-DEC6E3D43656}" type="datetimeFigureOut">
+              <a:rPr lang="en-IN" smtClean="0"/>
+              <a:t>23-04-2025</a:t>
+            </a:fld>
+            <a:endParaRPr lang="en-IN"/>
+          </a:p>
+        </p:txBody>
+      </p:sp>
+      <p:sp>
+        <p:nvSpPr>
+          <p:cNvPr id="4" name="Slide Image Placeholder 3"/>
+          <p:cNvSpPr>
+            <a:spLocks noGrp="1" noRot="1" noChangeAspect="1"/>
+          </p:cNvSpPr>
+          <p:nvPr>
+            <p:ph type="sldImg" idx="2"/>
+          </p:nvPr>
+        </p:nvSpPr>
+        <p:spPr>
+          <a:xfrm>
+            <a:off x="685800" y="1143000"/>
+            <a:ext cx="5486400" cy="3086100"/>
+          </a:xfrm>
+          <a:prstGeom prst="rect">
+            <a:avLst/>
+          </a:prstGeom>
+          <a:noFill/>
+          <a:ln w="12700">
+            <a:solidFill>
+              <a:prstClr val="black"/>
+            </a:solidFill>
+          </a:ln>
+        </p:spPr>
+        <p:txBody>
+          <a:bodyPr vert="horz" lIns="91440" tIns="45720" rIns="91440" bIns="45720" rtlCol="0" anchor="ctr"/>
+          <a:lstStyle/>
+          <a:p>
+            <a:endParaRPr lang="en-IN"/>
+          </a:p>
+        </p:txBody>
+      </p:sp>
+      <p:sp>
+        <p:nvSpPr>
+          <p:cNvPr id="5" name="Notes Placeholder 4"/>
+          <p:cNvSpPr>
+            <a:spLocks noGrp="1"/>
+          </p:cNvSpPr>
+          <p:nvPr>
+            <p:ph type="body" sz="quarter" idx="3"/>
+          </p:nvPr>
+        </p:nvSpPr>
+        <p:spPr>
+          <a:xfrm>
+            <a:off x="685800" y="4400550"/>
+            <a:ext cx="5486400" cy="3600450"/>
+          </a:xfrm>
+          <a:prstGeom prst="rect">
+            <a:avLst/>
+          </a:prstGeom>
+        </p:spPr>
+        <p:txBody>
+          <a:bodyPr vert="horz" lIns="91440" tIns="45720" rIns="91440" bIns="45720" rtlCol="0"/>
+          <a:lstStyle/>
+          <a:p>
+            <a:pPr lvl="0"/>
+            <a:r>
+              <a:rPr lang="en-US"/>
+              <a:t>Click to edit Master text styles</a:t>
+            </a:r>
+          </a:p>
+          <a:p>
+            <a:pPr lvl="1"/>
+            <a:r>
+              <a:rPr lang="en-US"/>
+              <a:t>Second level</a:t>
+            </a:r>
+          </a:p>
+          <a:p>
+            <a:pPr lvl="2"/>
+            <a:r>
+              <a:rPr lang="en-US"/>
+              <a:t>Third level</a:t>
+            </a:r>
+          </a:p>
+          <a:p>
+            <a:pPr lvl="3"/>
+            <a:r>
+              <a:rPr lang="en-US"/>
+              <a:t>Fourth level</a:t>
+            </a:r>
+          </a:p>
+          <a:p>
+            <a:pPr lvl="4"/>
+            <a:r>
+              <a:rPr lang="en-US"/>
+              <a:t>Fifth level</a:t>
+            </a:r>
+            <a:endParaRPr lang="en-IN"/>
+          </a:p>
+        </p:txBody>
+      </p:sp>
+      <p:sp>
+        <p:nvSpPr>
+          <p:cNvPr id="6" name="Footer Placeholder 5"/>
+          <p:cNvSpPr>
+            <a:spLocks noGrp="1"/>
+          </p:cNvSpPr>
+          <p:nvPr>
+            <p:ph type="ftr" sz="quarter" idx="4"/>
+          </p:nvPr>
+        </p:nvSpPr>
+        <p:spPr>
+          <a:xfrm>
+            <a:off x="0" y="8685213"/>
+            <a:ext cx="2971800" cy="458787"/>
+          </a:xfrm>
+          <a:prstGeom prst="rect">
+            <a:avLst/>
+          </a:prstGeom>
+        </p:spPr>
+        <p:txBody>
+          <a:bodyPr vert="horz" lIns="91440" tIns="45720" rIns="91440" bIns="45720" rtlCol="0" anchor="b"/>
+          <a:lstStyle>
+            <a:lvl1pPr algn="l">
+              <a:defRPr sz="1200"/>
+            </a:lvl1pPr>
+          </a:lstStyle>
+          <a:p>
+            <a:endParaRPr lang="en-IN"/>
+          </a:p>
+        </p:txBody>
+      </p:sp>
+      <p:sp>
+        <p:nvSpPr>
+          <p:cNvPr id="7" name="Slide Number Placeholder 6"/>
+          <p:cNvSpPr>
+            <a:spLocks noGrp="1"/>
+          </p:cNvSpPr>
+          <p:nvPr>
+            <p:ph type="sldNum" sz="quarter" idx="5"/>
+          </p:nvPr>
+        </p:nvSpPr>
+        <p:spPr>
+          <a:xfrm>
+            <a:off x="3884613" y="8685213"/>
+            <a:ext cx="2971800" cy="458787"/>
+          </a:xfrm>
+          <a:prstGeom prst="rect">
+            <a:avLst/>
+          </a:prstGeom>
+        </p:spPr>
+        <p:txBody>
+          <a:bodyPr vert="horz" lIns="91440" tIns="45720" rIns="91440" bIns="45720" rtlCol="0" anchor="b"/>
+          <a:lstStyle>
+            <a:lvl1pPr algn="r">
+              <a:defRPr sz="1200"/>
+            </a:lvl1pPr>
+          </a:lstStyle>
+          <a:p>
+            <a:fld id="{A3B15204-7F95-495D-83F4-4CB5E8331A36}" type="slidenum">
+              <a:rPr lang="en-IN" smtClean="0"/>
+              <a:t>‹#›</a:t>
+            </a:fld>
+            <a:endParaRPr lang="en-IN"/>
+          </a:p>
+        </p:txBody>
+      </p:sp>
+    </p:spTree>
+    <p:extLst>
+      <p:ext uri="{BB962C8B-B14F-4D97-AF65-F5344CB8AC3E}">
+        <p14:creationId xmlns:p14="http://schemas.microsoft.com/office/powerpoint/2010/main" val="3576299683"/>
+      </p:ext>
+    </p:extLst>
+  </p:cSld>
+  <p:clrMap bg1="lt1" tx1="dk1" bg2="lt2" tx2="dk2" accent1="accent1" accent2="accent2" accent3="accent3" accent4="accent4" accent5="accent5" accent6="accent6" hlink="hlink" folHlink="folHlink"/>
+  <p:notesStyle>
+    <a:lvl1pPr marL="0" algn="l" defTabSz="914400" rtl="0" eaLnBrk="1" latinLnBrk="0" hangingPunct="1">
+      <a:defRPr sz="1200" kern="1200">
+        <a:solidFill>
+          <a:schemeClr val="tx1"/>
+        </a:solidFill>
+        <a:latin typeface="+mn-lt"/>
+        <a:ea typeface="+mn-ea"/>
+        <a:cs typeface="+mn-cs"/>
+      </a:defRPr>
+    </a:lvl1pPr>
+    <a:lvl2pPr marL="457200" algn="l" defTabSz="914400" rtl="0" eaLnBrk="1" latinLnBrk="0" hangingPunct="1">
+      <a:defRPr sz="1200" kern="1200">
+        <a:solidFill>
+          <a:schemeClr val="tx1"/>
+        </a:solidFill>
+        <a:latin typeface="+mn-lt"/>
+        <a:ea typeface="+mn-ea"/>
+        <a:cs typeface="+mn-cs"/>
+      </a:defRPr>
+    </a:lvl2pPr>
+    <a:lvl3pPr marL="914400" algn="l" defTabSz="914400" rtl="0" eaLnBrk="1" latinLnBrk="0" hangingPunct="1">
+      <a:defRPr sz="1200" kern="1200">
+        <a:solidFill>
+          <a:schemeClr val="tx1"/>
+        </a:solidFill>
+        <a:latin typeface="+mn-lt"/>
+        <a:ea typeface="+mn-ea"/>
+        <a:cs typeface="+mn-cs"/>
+      </a:defRPr>
+    </a:lvl3pPr>
+    <a:lvl4pPr marL="1371600" algn="l" defTabSz="914400" rtl="0" eaLnBrk="1" latinLnBrk="0" hangingPunct="1">
+      <a:defRPr sz="1200" kern="1200">
+        <a:solidFill>
+          <a:schemeClr val="tx1"/>
+        </a:solidFill>
+        <a:latin typeface="+mn-lt"/>
+        <a:ea typeface="+mn-ea"/>
+        <a:cs typeface="+mn-cs"/>
+      </a:defRPr>
+    </a:lvl4pPr>
+    <a:lvl5pPr marL="1828800" algn="l" defTabSz="914400" rtl="0" eaLnBrk="1" latinLnBrk="0" hangingPunct="1">
+      <a:defRPr sz="1200" kern="1200">
+        <a:solidFill>
+          <a:schemeClr val="tx1"/>
+        </a:solidFill>
+        <a:latin typeface="+mn-lt"/>
+        <a:ea typeface="+mn-ea"/>
+        <a:cs typeface="+mn-cs"/>
+      </a:defRPr>
+    </a:lvl5pPr>
+    <a:lvl6pPr marL="2286000" algn="l" defTabSz="914400" rtl="0" eaLnBrk="1" latinLnBrk="0" hangingPunct="1">
+      <a:defRPr sz="1200" kern="1200">
+        <a:solidFill>
+          <a:schemeClr val="tx1"/>
+        </a:solidFill>
+        <a:latin typeface="+mn-lt"/>
+        <a:ea typeface="+mn-ea"/>
+        <a:cs typeface="+mn-cs"/>
+      </a:defRPr>
+    </a:lvl6pPr>
+    <a:lvl7pPr marL="2743200" algn="l" defTabSz="914400" rtl="0" eaLnBrk="1" latinLnBrk="0" hangingPunct="1">
+      <a:defRPr sz="1200" kern="1200">
+        <a:solidFill>
+          <a:schemeClr val="tx1"/>
+        </a:solidFill>
+        <a:latin typeface="+mn-lt"/>
+        <a:ea typeface="+mn-ea"/>
+        <a:cs typeface="+mn-cs"/>
+      </a:defRPr>
+    </a:lvl7pPr>
+    <a:lvl8pPr marL="3200400" algn="l" defTabSz="914400" rtl="0" eaLnBrk="1" latinLnBrk="0" hangingPunct="1">
+      <a:defRPr sz="1200" kern="1200">
+        <a:solidFill>
+          <a:schemeClr val="tx1"/>
+        </a:solidFill>
+        <a:latin typeface="+mn-lt"/>
+        <a:ea typeface="+mn-ea"/>
+        <a:cs typeface="+mn-cs"/>
+      </a:defRPr>
+    </a:lvl8pPr>
+    <a:lvl9pPr marL="3657600" algn="l" defTabSz="914400" rtl="0" eaLnBrk="1" latinLnBrk="0" hangingPunct="1">
+      <a:defRPr sz="1200" kern="1200">
+        <a:solidFill>
+          <a:schemeClr val="tx1"/>
+        </a:solidFill>
+        <a:latin typeface="+mn-lt"/>
+        <a:ea typeface="+mn-ea"/>
+        <a:cs typeface="+mn-cs"/>
+      </a:defRPr>
+    </a:lvl9pPr>
+  </p:notesStyle>
+</p:notesMaster>
+</file>
+
 <file path=ppt/slideLayouts/slideLayout1.xml><?xml version="1.0" encoding="utf-8"?>
 <p:sldLayout xmlns:a="http://schemas.openxmlformats.org/drawingml/2006/main" xmlns:r="http://schemas.openxmlformats.org/officeDocument/2006/relationships" xmlns:p="http://schemas.openxmlformats.org/presentationml/2006/main" type="title" preserve="1">
   <p:cSld name="Title Slide">
@@ -282,9 +635,9 @@
           <a:bodyPr/>
           <a:lstStyle/>
           <a:p>
-            <a:fld id="{F9F18FA7-F7FB-4BC7-BBB9-2122DF854783}" type="datetimeFigureOut">
+            <a:fld id="{DC1D24C4-735E-4A68-B444-9DE8D1841B7F}" type="datetime1">
               <a:rPr lang="en-US" smtClean="0"/>
-              <a:t>4/7/2025</a:t>
+              <a:t>4/23/2025</a:t>
             </a:fld>
             <a:endParaRPr lang="en-US"/>
           </a:p>
@@ -480,9 +833,9 @@
           <a:bodyPr/>
           <a:lstStyle/>
           <a:p>
-            <a:fld id="{F9F18FA7-F7FB-4BC7-BBB9-2122DF854783}" type="datetimeFigureOut">
+            <a:fld id="{B854BA11-6796-49EC-990B-411E2A656F23}" type="datetime1">
               <a:rPr lang="en-US" smtClean="0"/>
-              <a:t>4/7/2025</a:t>
+              <a:t>4/23/2025</a:t>
             </a:fld>
             <a:endParaRPr lang="en-US"/>
           </a:p>
@@ -688,9 +1041,9 @@
           <a:bodyPr/>
           <a:lstStyle/>
           <a:p>
-            <a:fld id="{F9F18FA7-F7FB-4BC7-BBB9-2122DF854783}" type="datetimeFigureOut">
+            <a:fld id="{4FEEED58-1091-4231-BB04-7AA1051A6E53}" type="datetime1">
               <a:rPr lang="en-US" smtClean="0"/>
-              <a:t>4/7/2025</a:t>
+              <a:t>4/23/2025</a:t>
             </a:fld>
             <a:endParaRPr lang="en-US"/>
           </a:p>
@@ -886,9 +1239,9 @@
           <a:bodyPr/>
           <a:lstStyle/>
           <a:p>
-            <a:fld id="{F9F18FA7-F7FB-4BC7-BBB9-2122DF854783}" type="datetimeFigureOut">
+            <a:fld id="{6CABB44D-ECB2-4351-85D3-CBC943F95477}" type="datetime1">
               <a:rPr lang="en-US" smtClean="0"/>
-              <a:t>4/7/2025</a:t>
+              <a:t>4/23/2025</a:t>
             </a:fld>
             <a:endParaRPr lang="en-US"/>
           </a:p>
@@ -1161,9 +1514,9 @@
           <a:bodyPr/>
           <a:lstStyle/>
           <a:p>
-            <a:fld id="{F9F18FA7-F7FB-4BC7-BBB9-2122DF854783}" type="datetimeFigureOut">
+            <a:fld id="{3657D484-7C9B-4D02-AF3F-0B48763B8183}" type="datetime1">
               <a:rPr lang="en-US" smtClean="0"/>
-              <a:t>4/7/2025</a:t>
+              <a:t>4/23/2025</a:t>
             </a:fld>
             <a:endParaRPr lang="en-US"/>
           </a:p>
@@ -1426,9 +1779,9 @@
           <a:bodyPr/>
           <a:lstStyle/>
           <a:p>
-            <a:fld id="{F9F18FA7-F7FB-4BC7-BBB9-2122DF854783}" type="datetimeFigureOut">
+            <a:fld id="{9701453D-3EAF-442E-8799-49FA02BDE184}" type="datetime1">
               <a:rPr lang="en-US" smtClean="0"/>
-              <a:t>4/7/2025</a:t>
+              <a:t>4/23/2025</a:t>
             </a:fld>
             <a:endParaRPr lang="en-US"/>
           </a:p>
@@ -1838,9 +2191,9 @@
           <a:bodyPr/>
           <a:lstStyle/>
           <a:p>
-            <a:fld id="{F9F18FA7-F7FB-4BC7-BBB9-2122DF854783}" type="datetimeFigureOut">
+            <a:fld id="{C9947EEC-B5C2-4559-A3A8-5F8AA3189450}" type="datetime1">
               <a:rPr lang="en-US" smtClean="0"/>
-              <a:t>4/7/2025</a:t>
+              <a:t>4/23/2025</a:t>
             </a:fld>
             <a:endParaRPr lang="en-US"/>
           </a:p>
@@ -1979,9 +2332,9 @@
           <a:bodyPr/>
           <a:lstStyle/>
           <a:p>
-            <a:fld id="{F9F18FA7-F7FB-4BC7-BBB9-2122DF854783}" type="datetimeFigureOut">
+            <a:fld id="{8503245F-B7E5-4B0C-96C9-0757A83A12A4}" type="datetime1">
               <a:rPr lang="en-US" smtClean="0"/>
-              <a:t>4/7/2025</a:t>
+              <a:t>4/23/2025</a:t>
             </a:fld>
             <a:endParaRPr lang="en-US"/>
           </a:p>
@@ -2092,9 +2445,9 @@
           <a:bodyPr/>
           <a:lstStyle/>
           <a:p>
-            <a:fld id="{F9F18FA7-F7FB-4BC7-BBB9-2122DF854783}" type="datetimeFigureOut">
+            <a:fld id="{E2AF1F52-3D81-4A24-8649-2E41890484FD}" type="datetime1">
               <a:rPr lang="en-US" smtClean="0"/>
-              <a:t>4/7/2025</a:t>
+              <a:t>4/23/2025</a:t>
             </a:fld>
             <a:endParaRPr lang="en-US"/>
           </a:p>
@@ -2403,9 +2756,9 @@
           <a:bodyPr/>
           <a:lstStyle/>
           <a:p>
-            <a:fld id="{F9F18FA7-F7FB-4BC7-BBB9-2122DF854783}" type="datetimeFigureOut">
+            <a:fld id="{9DC830F9-0D60-47DF-992B-8D341943540E}" type="datetime1">
               <a:rPr lang="en-US" smtClean="0"/>
-              <a:t>4/7/2025</a:t>
+              <a:t>4/23/2025</a:t>
             </a:fld>
             <a:endParaRPr lang="en-US"/>
           </a:p>
@@ -2691,9 +3044,9 @@
           <a:bodyPr/>
           <a:lstStyle/>
           <a:p>
-            <a:fld id="{F9F18FA7-F7FB-4BC7-BBB9-2122DF854783}" type="datetimeFigureOut">
+            <a:fld id="{5D5DA470-1DD4-42A2-A044-99338F628B2B}" type="datetime1">
               <a:rPr lang="en-US" smtClean="0"/>
-              <a:t>4/7/2025</a:t>
+              <a:t>4/23/2025</a:t>
             </a:fld>
             <a:endParaRPr lang="en-US"/>
           </a:p>
@@ -2932,9 +3285,9 @@
             </a:lvl1pPr>
           </a:lstStyle>
           <a:p>
-            <a:fld id="{F9F18FA7-F7FB-4BC7-BBB9-2122DF854783}" type="datetimeFigureOut">
+            <a:fld id="{21411901-157B-4E4E-BF99-A0ABA7C4457F}" type="datetime1">
               <a:rPr lang="en-US" smtClean="0"/>
-              <a:t>4/7/2025</a:t>
+              <a:t>4/23/2025</a:t>
             </a:fld>
             <a:endParaRPr lang="en-US"/>
           </a:p>
@@ -3051,6 +3404,7 @@
     <p:sldLayoutId id="2147483658" r:id="rId10"/>
     <p:sldLayoutId id="2147483659" r:id="rId11"/>
   </p:sldLayoutIdLst>
+  <p:hf hdr="0" ftr="0" dt="0"/>
   <p:txStyles>
     <p:titleStyle>
       <a:lvl1pPr algn="l" defTabSz="914400" rtl="0" eaLnBrk="1" latinLnBrk="0" hangingPunct="1">
@@ -3439,6 +3793,42 @@
           </a:p>
         </p:txBody>
       </p:sp>
+      <p:pic>
+        <p:nvPicPr>
+          <p:cNvPr id="5" name="Picture 4">
+            <a:extLst>
+              <a:ext uri="{FF2B5EF4-FFF2-40B4-BE49-F238E27FC236}">
+                <a16:creationId xmlns:a16="http://schemas.microsoft.com/office/drawing/2014/main" id="{81CADF8B-4C78-90DF-D5FE-1188BCBB389F}"/>
+              </a:ext>
+            </a:extLst>
+          </p:cNvPr>
+          <p:cNvPicPr>
+            <a:picLocks noChangeAspect="1"/>
+          </p:cNvPicPr>
+          <p:nvPr/>
+        </p:nvPicPr>
+        <p:blipFill>
+          <a:blip r:embed="rId2">
+            <a:extLst>
+              <a:ext uri="{28A0092B-C50C-407E-A947-70E740481C1C}">
+                <a14:useLocalDpi xmlns:a14="http://schemas.microsoft.com/office/drawing/2010/main" val="0"/>
+              </a:ext>
+            </a:extLst>
+          </a:blip>
+          <a:stretch>
+            <a:fillRect/>
+          </a:stretch>
+        </p:blipFill>
+        <p:spPr>
+          <a:xfrm>
+            <a:off x="220442" y="132846"/>
+            <a:ext cx="1784846" cy="1779929"/>
+          </a:xfrm>
+          <a:prstGeom prst="rect">
+            <a:avLst/>
+          </a:prstGeom>
+        </p:spPr>
+      </p:pic>
     </p:spTree>
     <p:extLst>
       <p:ext uri="{BB962C8B-B14F-4D97-AF65-F5344CB8AC3E}">
@@ -3545,6 +3935,35 @@
           </a:p>
         </p:txBody>
       </p:sp>
+      <p:sp>
+        <p:nvSpPr>
+          <p:cNvPr id="4" name="Slide Number Placeholder 3">
+            <a:extLst>
+              <a:ext uri="{FF2B5EF4-FFF2-40B4-BE49-F238E27FC236}">
+                <a16:creationId xmlns:a16="http://schemas.microsoft.com/office/drawing/2014/main" id="{FA3F98E2-3C20-F853-159E-1F51880824BC}"/>
+              </a:ext>
+            </a:extLst>
+          </p:cNvPr>
+          <p:cNvSpPr>
+            <a:spLocks noGrp="1"/>
+          </p:cNvSpPr>
+          <p:nvPr>
+            <p:ph type="sldNum" sz="quarter" idx="12"/>
+          </p:nvPr>
+        </p:nvSpPr>
+        <p:spPr/>
+        <p:txBody>
+          <a:bodyPr/>
+          <a:lstStyle/>
+          <a:p>
+            <a:fld id="{04AF2B3D-E730-43CE-AF5A-48E6BC4F6EB3}" type="slidenum">
+              <a:rPr lang="en-US" smtClean="0"/>
+              <a:t>10</a:t>
+            </a:fld>
+            <a:endParaRPr lang="en-US"/>
+          </a:p>
+        </p:txBody>
+      </p:sp>
     </p:spTree>
     <p:extLst>
       <p:ext uri="{BB962C8B-B14F-4D97-AF65-F5344CB8AC3E}">
@@ -3909,6 +4328,35 @@
           </a:p>
         </p:txBody>
       </p:sp>
+      <p:sp>
+        <p:nvSpPr>
+          <p:cNvPr id="4" name="Slide Number Placeholder 3">
+            <a:extLst>
+              <a:ext uri="{FF2B5EF4-FFF2-40B4-BE49-F238E27FC236}">
+                <a16:creationId xmlns:a16="http://schemas.microsoft.com/office/drawing/2014/main" id="{B80EABE6-C2FD-C6B0-1823-0A8C9475032A}"/>
+              </a:ext>
+            </a:extLst>
+          </p:cNvPr>
+          <p:cNvSpPr>
+            <a:spLocks noGrp="1"/>
+          </p:cNvSpPr>
+          <p:nvPr>
+            <p:ph type="sldNum" sz="quarter" idx="12"/>
+          </p:nvPr>
+        </p:nvSpPr>
+        <p:spPr/>
+        <p:txBody>
+          <a:bodyPr/>
+          <a:lstStyle/>
+          <a:p>
+            <a:fld id="{04AF2B3D-E730-43CE-AF5A-48E6BC4F6EB3}" type="slidenum">
+              <a:rPr lang="en-US" smtClean="0"/>
+              <a:t>11</a:t>
+            </a:fld>
+            <a:endParaRPr lang="en-US"/>
+          </a:p>
+        </p:txBody>
+      </p:sp>
     </p:spTree>
     <p:extLst>
       <p:ext uri="{BB962C8B-B14F-4D97-AF65-F5344CB8AC3E}">
@@ -4288,6 +4736,35 @@
           </a:p>
         </p:txBody>
       </p:sp>
+      <p:sp>
+        <p:nvSpPr>
+          <p:cNvPr id="4" name="Slide Number Placeholder 3">
+            <a:extLst>
+              <a:ext uri="{FF2B5EF4-FFF2-40B4-BE49-F238E27FC236}">
+                <a16:creationId xmlns:a16="http://schemas.microsoft.com/office/drawing/2014/main" id="{A2131041-CAF5-84E9-F56A-3EE8C6E5741B}"/>
+              </a:ext>
+            </a:extLst>
+          </p:cNvPr>
+          <p:cNvSpPr>
+            <a:spLocks noGrp="1"/>
+          </p:cNvSpPr>
+          <p:nvPr>
+            <p:ph type="sldNum" sz="quarter" idx="12"/>
+          </p:nvPr>
+        </p:nvSpPr>
+        <p:spPr/>
+        <p:txBody>
+          <a:bodyPr/>
+          <a:lstStyle/>
+          <a:p>
+            <a:fld id="{04AF2B3D-E730-43CE-AF5A-48E6BC4F6EB3}" type="slidenum">
+              <a:rPr lang="en-US" smtClean="0"/>
+              <a:t>12</a:t>
+            </a:fld>
+            <a:endParaRPr lang="en-US"/>
+          </a:p>
+        </p:txBody>
+      </p:sp>
     </p:spTree>
     <p:extLst>
       <p:ext uri="{BB962C8B-B14F-4D97-AF65-F5344CB8AC3E}">
@@ -4538,6 +5015,35 @@
           </a:p>
         </p:txBody>
       </p:sp>
+      <p:sp>
+        <p:nvSpPr>
+          <p:cNvPr id="3" name="Slide Number Placeholder 2">
+            <a:extLst>
+              <a:ext uri="{FF2B5EF4-FFF2-40B4-BE49-F238E27FC236}">
+                <a16:creationId xmlns:a16="http://schemas.microsoft.com/office/drawing/2014/main" id="{3941D88B-0FD2-D8F0-069B-B20D1D71319E}"/>
+              </a:ext>
+            </a:extLst>
+          </p:cNvPr>
+          <p:cNvSpPr>
+            <a:spLocks noGrp="1"/>
+          </p:cNvSpPr>
+          <p:nvPr>
+            <p:ph type="sldNum" sz="quarter" idx="12"/>
+          </p:nvPr>
+        </p:nvSpPr>
+        <p:spPr/>
+        <p:txBody>
+          <a:bodyPr/>
+          <a:lstStyle/>
+          <a:p>
+            <a:fld id="{04AF2B3D-E730-43CE-AF5A-48E6BC4F6EB3}" type="slidenum">
+              <a:rPr lang="en-US" smtClean="0"/>
+              <a:t>13</a:t>
+            </a:fld>
+            <a:endParaRPr lang="en-US"/>
+          </a:p>
+        </p:txBody>
+      </p:sp>
     </p:spTree>
     <p:extLst>
       <p:ext uri="{BB962C8B-B14F-4D97-AF65-F5344CB8AC3E}">
@@ -4848,6 +5354,35 @@
           </a:p>
         </p:txBody>
       </p:sp>
+      <p:sp>
+        <p:nvSpPr>
+          <p:cNvPr id="3" name="Slide Number Placeholder 2">
+            <a:extLst>
+              <a:ext uri="{FF2B5EF4-FFF2-40B4-BE49-F238E27FC236}">
+                <a16:creationId xmlns:a16="http://schemas.microsoft.com/office/drawing/2014/main" id="{547C127E-72B9-1C18-F52F-113D0579162F}"/>
+              </a:ext>
+            </a:extLst>
+          </p:cNvPr>
+          <p:cNvSpPr>
+            <a:spLocks noGrp="1"/>
+          </p:cNvSpPr>
+          <p:nvPr>
+            <p:ph type="sldNum" sz="quarter" idx="12"/>
+          </p:nvPr>
+        </p:nvSpPr>
+        <p:spPr/>
+        <p:txBody>
+          <a:bodyPr/>
+          <a:lstStyle/>
+          <a:p>
+            <a:fld id="{04AF2B3D-E730-43CE-AF5A-48E6BC4F6EB3}" type="slidenum">
+              <a:rPr lang="en-US" smtClean="0"/>
+              <a:t>14</a:t>
+            </a:fld>
+            <a:endParaRPr lang="en-US"/>
+          </a:p>
+        </p:txBody>
+      </p:sp>
     </p:spTree>
     <p:extLst>
       <p:ext uri="{BB962C8B-B14F-4D97-AF65-F5344CB8AC3E}">
@@ -5092,6 +5627,35 @@
           </a:p>
         </p:txBody>
       </p:sp>
+      <p:sp>
+        <p:nvSpPr>
+          <p:cNvPr id="3" name="Slide Number Placeholder 2">
+            <a:extLst>
+              <a:ext uri="{FF2B5EF4-FFF2-40B4-BE49-F238E27FC236}">
+                <a16:creationId xmlns:a16="http://schemas.microsoft.com/office/drawing/2014/main" id="{F5722287-1292-911C-CB59-53ECE0348B8B}"/>
+              </a:ext>
+            </a:extLst>
+          </p:cNvPr>
+          <p:cNvSpPr>
+            <a:spLocks noGrp="1"/>
+          </p:cNvSpPr>
+          <p:nvPr>
+            <p:ph type="sldNum" sz="quarter" idx="12"/>
+          </p:nvPr>
+        </p:nvSpPr>
+        <p:spPr/>
+        <p:txBody>
+          <a:bodyPr/>
+          <a:lstStyle/>
+          <a:p>
+            <a:fld id="{04AF2B3D-E730-43CE-AF5A-48E6BC4F6EB3}" type="slidenum">
+              <a:rPr lang="en-US" smtClean="0"/>
+              <a:t>15</a:t>
+            </a:fld>
+            <a:endParaRPr lang="en-US"/>
+          </a:p>
+        </p:txBody>
+      </p:sp>
     </p:spTree>
     <p:extLst>
       <p:ext uri="{BB962C8B-B14F-4D97-AF65-F5344CB8AC3E}">
@@ -5424,6 +5988,35 @@
           </a:p>
         </p:txBody>
       </p:sp>
+      <p:sp>
+        <p:nvSpPr>
+          <p:cNvPr id="3" name="Slide Number Placeholder 2">
+            <a:extLst>
+              <a:ext uri="{FF2B5EF4-FFF2-40B4-BE49-F238E27FC236}">
+                <a16:creationId xmlns:a16="http://schemas.microsoft.com/office/drawing/2014/main" id="{764091BA-87F9-730C-62AC-C6D96D8D647E}"/>
+              </a:ext>
+            </a:extLst>
+          </p:cNvPr>
+          <p:cNvSpPr>
+            <a:spLocks noGrp="1"/>
+          </p:cNvSpPr>
+          <p:nvPr>
+            <p:ph type="sldNum" sz="quarter" idx="12"/>
+          </p:nvPr>
+        </p:nvSpPr>
+        <p:spPr/>
+        <p:txBody>
+          <a:bodyPr/>
+          <a:lstStyle/>
+          <a:p>
+            <a:fld id="{04AF2B3D-E730-43CE-AF5A-48E6BC4F6EB3}" type="slidenum">
+              <a:rPr lang="en-US" smtClean="0"/>
+              <a:t>16</a:t>
+            </a:fld>
+            <a:endParaRPr lang="en-US"/>
+          </a:p>
+        </p:txBody>
+      </p:sp>
     </p:spTree>
     <p:extLst>
       <p:ext uri="{BB962C8B-B14F-4D97-AF65-F5344CB8AC3E}">
@@ -5756,6 +6349,35 @@
           </a:p>
         </p:txBody>
       </p:sp>
+      <p:sp>
+        <p:nvSpPr>
+          <p:cNvPr id="3" name="Slide Number Placeholder 2">
+            <a:extLst>
+              <a:ext uri="{FF2B5EF4-FFF2-40B4-BE49-F238E27FC236}">
+                <a16:creationId xmlns:a16="http://schemas.microsoft.com/office/drawing/2014/main" id="{DD9F4449-79EE-6774-FC78-82A5A4B53C03}"/>
+              </a:ext>
+            </a:extLst>
+          </p:cNvPr>
+          <p:cNvSpPr>
+            <a:spLocks noGrp="1"/>
+          </p:cNvSpPr>
+          <p:nvPr>
+            <p:ph type="sldNum" sz="quarter" idx="12"/>
+          </p:nvPr>
+        </p:nvSpPr>
+        <p:spPr/>
+        <p:txBody>
+          <a:bodyPr/>
+          <a:lstStyle/>
+          <a:p>
+            <a:fld id="{04AF2B3D-E730-43CE-AF5A-48E6BC4F6EB3}" type="slidenum">
+              <a:rPr lang="en-US" smtClean="0"/>
+              <a:t>17</a:t>
+            </a:fld>
+            <a:endParaRPr lang="en-US"/>
+          </a:p>
+        </p:txBody>
+      </p:sp>
     </p:spTree>
     <p:extLst>
       <p:ext uri="{BB962C8B-B14F-4D97-AF65-F5344CB8AC3E}">
@@ -6088,6 +6710,35 @@
           </a:p>
         </p:txBody>
       </p:sp>
+      <p:sp>
+        <p:nvSpPr>
+          <p:cNvPr id="3" name="Slide Number Placeholder 2">
+            <a:extLst>
+              <a:ext uri="{FF2B5EF4-FFF2-40B4-BE49-F238E27FC236}">
+                <a16:creationId xmlns:a16="http://schemas.microsoft.com/office/drawing/2014/main" id="{72D97013-BD58-9CE5-AFFB-B6276EC240AC}"/>
+              </a:ext>
+            </a:extLst>
+          </p:cNvPr>
+          <p:cNvSpPr>
+            <a:spLocks noGrp="1"/>
+          </p:cNvSpPr>
+          <p:nvPr>
+            <p:ph type="sldNum" sz="quarter" idx="12"/>
+          </p:nvPr>
+        </p:nvSpPr>
+        <p:spPr/>
+        <p:txBody>
+          <a:bodyPr/>
+          <a:lstStyle/>
+          <a:p>
+            <a:fld id="{04AF2B3D-E730-43CE-AF5A-48E6BC4F6EB3}" type="slidenum">
+              <a:rPr lang="en-US" smtClean="0"/>
+              <a:t>18</a:t>
+            </a:fld>
+            <a:endParaRPr lang="en-US"/>
+          </a:p>
+        </p:txBody>
+      </p:sp>
     </p:spTree>
     <p:extLst>
       <p:ext uri="{BB962C8B-B14F-4D97-AF65-F5344CB8AC3E}">
@@ -6258,6 +6909,35 @@
           </a:ln>
         </p:spPr>
       </p:pic>
+      <p:sp>
+        <p:nvSpPr>
+          <p:cNvPr id="4" name="Slide Number Placeholder 3">
+            <a:extLst>
+              <a:ext uri="{FF2B5EF4-FFF2-40B4-BE49-F238E27FC236}">
+                <a16:creationId xmlns:a16="http://schemas.microsoft.com/office/drawing/2014/main" id="{6E147BAC-D767-2129-3AB5-B83D82996433}"/>
+              </a:ext>
+            </a:extLst>
+          </p:cNvPr>
+          <p:cNvSpPr>
+            <a:spLocks noGrp="1"/>
+          </p:cNvSpPr>
+          <p:nvPr>
+            <p:ph type="sldNum" sz="quarter" idx="12"/>
+          </p:nvPr>
+        </p:nvSpPr>
+        <p:spPr/>
+        <p:txBody>
+          <a:bodyPr/>
+          <a:lstStyle/>
+          <a:p>
+            <a:fld id="{04AF2B3D-E730-43CE-AF5A-48E6BC4F6EB3}" type="slidenum">
+              <a:rPr lang="en-US" smtClean="0"/>
+              <a:t>19</a:t>
+            </a:fld>
+            <a:endParaRPr lang="en-US"/>
+          </a:p>
+        </p:txBody>
+      </p:sp>
     </p:spTree>
     <p:extLst>
       <p:ext uri="{BB962C8B-B14F-4D97-AF65-F5344CB8AC3E}">
@@ -6515,6 +7195,35 @@
               <a:rPr lang="en-US" dirty="0"/>
               <a:t>Complexity: O(N^3)</a:t>
             </a:r>
+          </a:p>
+        </p:txBody>
+      </p:sp>
+      <p:sp>
+        <p:nvSpPr>
+          <p:cNvPr id="5" name="Slide Number Placeholder 4">
+            <a:extLst>
+              <a:ext uri="{FF2B5EF4-FFF2-40B4-BE49-F238E27FC236}">
+                <a16:creationId xmlns:a16="http://schemas.microsoft.com/office/drawing/2014/main" id="{7FDB9B42-2052-728C-A1BE-2FCD45EC67D7}"/>
+              </a:ext>
+            </a:extLst>
+          </p:cNvPr>
+          <p:cNvSpPr>
+            <a:spLocks noGrp="1"/>
+          </p:cNvSpPr>
+          <p:nvPr>
+            <p:ph type="sldNum" sz="quarter" idx="12"/>
+          </p:nvPr>
+        </p:nvSpPr>
+        <p:spPr/>
+        <p:txBody>
+          <a:bodyPr/>
+          <a:lstStyle/>
+          <a:p>
+            <a:fld id="{04AF2B3D-E730-43CE-AF5A-48E6BC4F6EB3}" type="slidenum">
+              <a:rPr lang="en-US" smtClean="0"/>
+              <a:t>2</a:t>
+            </a:fld>
+            <a:endParaRPr lang="en-US"/>
           </a:p>
         </p:txBody>
       </p:sp>
@@ -7118,6 +7827,35 @@
           </p:spPr>
         </p:pic>
       </p:grpSp>
+      <p:sp>
+        <p:nvSpPr>
+          <p:cNvPr id="3" name="Slide Number Placeholder 2">
+            <a:extLst>
+              <a:ext uri="{FF2B5EF4-FFF2-40B4-BE49-F238E27FC236}">
+                <a16:creationId xmlns:a16="http://schemas.microsoft.com/office/drawing/2014/main" id="{DAB65F33-C29D-5D65-1D42-51C53A42B308}"/>
+              </a:ext>
+            </a:extLst>
+          </p:cNvPr>
+          <p:cNvSpPr>
+            <a:spLocks noGrp="1"/>
+          </p:cNvSpPr>
+          <p:nvPr>
+            <p:ph type="sldNum" sz="quarter" idx="12"/>
+          </p:nvPr>
+        </p:nvSpPr>
+        <p:spPr/>
+        <p:txBody>
+          <a:bodyPr/>
+          <a:lstStyle/>
+          <a:p>
+            <a:fld id="{04AF2B3D-E730-43CE-AF5A-48E6BC4F6EB3}" type="slidenum">
+              <a:rPr lang="en-US" smtClean="0"/>
+              <a:t>20</a:t>
+            </a:fld>
+            <a:endParaRPr lang="en-US"/>
+          </a:p>
+        </p:txBody>
+      </p:sp>
     </p:spTree>
     <p:extLst>
       <p:ext uri="{BB962C8B-B14F-4D97-AF65-F5344CB8AC3E}">
@@ -7966,6 +8704,35 @@
           </a:p>
         </p:txBody>
       </p:sp>
+      <p:sp>
+        <p:nvSpPr>
+          <p:cNvPr id="6" name="Slide Number Placeholder 5">
+            <a:extLst>
+              <a:ext uri="{FF2B5EF4-FFF2-40B4-BE49-F238E27FC236}">
+                <a16:creationId xmlns:a16="http://schemas.microsoft.com/office/drawing/2014/main" id="{12572D1C-CA60-5AFA-1302-44C170DF794F}"/>
+              </a:ext>
+            </a:extLst>
+          </p:cNvPr>
+          <p:cNvSpPr>
+            <a:spLocks noGrp="1"/>
+          </p:cNvSpPr>
+          <p:nvPr>
+            <p:ph type="sldNum" sz="quarter" idx="12"/>
+          </p:nvPr>
+        </p:nvSpPr>
+        <p:spPr/>
+        <p:txBody>
+          <a:bodyPr/>
+          <a:lstStyle/>
+          <a:p>
+            <a:fld id="{04AF2B3D-E730-43CE-AF5A-48E6BC4F6EB3}" type="slidenum">
+              <a:rPr lang="en-US" smtClean="0"/>
+              <a:t>21</a:t>
+            </a:fld>
+            <a:endParaRPr lang="en-US"/>
+          </a:p>
+        </p:txBody>
+      </p:sp>
     </p:spTree>
     <p:extLst>
       <p:ext uri="{BB962C8B-B14F-4D97-AF65-F5344CB8AC3E}">
@@ -8814,6 +9581,35 @@
           </a:p>
         </p:txBody>
       </p:sp>
+      <p:sp>
+        <p:nvSpPr>
+          <p:cNvPr id="6" name="Slide Number Placeholder 5">
+            <a:extLst>
+              <a:ext uri="{FF2B5EF4-FFF2-40B4-BE49-F238E27FC236}">
+                <a16:creationId xmlns:a16="http://schemas.microsoft.com/office/drawing/2014/main" id="{BA19AC86-23AB-9993-C960-2DBF3509BCD8}"/>
+              </a:ext>
+            </a:extLst>
+          </p:cNvPr>
+          <p:cNvSpPr>
+            <a:spLocks noGrp="1"/>
+          </p:cNvSpPr>
+          <p:nvPr>
+            <p:ph type="sldNum" sz="quarter" idx="12"/>
+          </p:nvPr>
+        </p:nvSpPr>
+        <p:spPr/>
+        <p:txBody>
+          <a:bodyPr/>
+          <a:lstStyle/>
+          <a:p>
+            <a:fld id="{04AF2B3D-E730-43CE-AF5A-48E6BC4F6EB3}" type="slidenum">
+              <a:rPr lang="en-US" smtClean="0"/>
+              <a:t>22</a:t>
+            </a:fld>
+            <a:endParaRPr lang="en-US"/>
+          </a:p>
+        </p:txBody>
+      </p:sp>
     </p:spTree>
     <p:extLst>
       <p:ext uri="{BB962C8B-B14F-4D97-AF65-F5344CB8AC3E}">
@@ -9662,6 +10458,35 @@
           </a:p>
         </p:txBody>
       </p:sp>
+      <p:sp>
+        <p:nvSpPr>
+          <p:cNvPr id="3" name="Slide Number Placeholder 2">
+            <a:extLst>
+              <a:ext uri="{FF2B5EF4-FFF2-40B4-BE49-F238E27FC236}">
+                <a16:creationId xmlns:a16="http://schemas.microsoft.com/office/drawing/2014/main" id="{601CCAF1-ECD6-6792-5A2D-9360BA7E3CFA}"/>
+              </a:ext>
+            </a:extLst>
+          </p:cNvPr>
+          <p:cNvSpPr>
+            <a:spLocks noGrp="1"/>
+          </p:cNvSpPr>
+          <p:nvPr>
+            <p:ph type="sldNum" sz="quarter" idx="12"/>
+          </p:nvPr>
+        </p:nvSpPr>
+        <p:spPr/>
+        <p:txBody>
+          <a:bodyPr/>
+          <a:lstStyle/>
+          <a:p>
+            <a:fld id="{04AF2B3D-E730-43CE-AF5A-48E6BC4F6EB3}" type="slidenum">
+              <a:rPr lang="en-US" smtClean="0"/>
+              <a:t>23</a:t>
+            </a:fld>
+            <a:endParaRPr lang="en-US"/>
+          </a:p>
+        </p:txBody>
+      </p:sp>
     </p:spTree>
     <p:extLst>
       <p:ext uri="{BB962C8B-B14F-4D97-AF65-F5344CB8AC3E}">
@@ -9802,6 +10627,35 @@
           </a:fontRef>
         </p:style>
       </p:cxnSp>
+      <p:sp>
+        <p:nvSpPr>
+          <p:cNvPr id="2" name="Slide Number Placeholder 1">
+            <a:extLst>
+              <a:ext uri="{FF2B5EF4-FFF2-40B4-BE49-F238E27FC236}">
+                <a16:creationId xmlns:a16="http://schemas.microsoft.com/office/drawing/2014/main" id="{C034969B-777F-99F5-DF94-066438D56F62}"/>
+              </a:ext>
+            </a:extLst>
+          </p:cNvPr>
+          <p:cNvSpPr>
+            <a:spLocks noGrp="1"/>
+          </p:cNvSpPr>
+          <p:nvPr>
+            <p:ph type="sldNum" sz="quarter" idx="12"/>
+          </p:nvPr>
+        </p:nvSpPr>
+        <p:spPr/>
+        <p:txBody>
+          <a:bodyPr/>
+          <a:lstStyle/>
+          <a:p>
+            <a:fld id="{04AF2B3D-E730-43CE-AF5A-48E6BC4F6EB3}" type="slidenum">
+              <a:rPr lang="en-US" smtClean="0"/>
+              <a:t>24</a:t>
+            </a:fld>
+            <a:endParaRPr lang="en-US"/>
+          </a:p>
+        </p:txBody>
+      </p:sp>
     </p:spTree>
     <p:extLst>
       <p:ext uri="{BB962C8B-B14F-4D97-AF65-F5344CB8AC3E}">
@@ -10008,6 +10862,35 @@
           </a:p>
         </p:txBody>
       </p:sp>
+      <p:sp>
+        <p:nvSpPr>
+          <p:cNvPr id="2" name="Slide Number Placeholder 1">
+            <a:extLst>
+              <a:ext uri="{FF2B5EF4-FFF2-40B4-BE49-F238E27FC236}">
+                <a16:creationId xmlns:a16="http://schemas.microsoft.com/office/drawing/2014/main" id="{7DE58CEF-9E30-0A08-9044-19670420709D}"/>
+              </a:ext>
+            </a:extLst>
+          </p:cNvPr>
+          <p:cNvSpPr>
+            <a:spLocks noGrp="1"/>
+          </p:cNvSpPr>
+          <p:nvPr>
+            <p:ph type="sldNum" sz="quarter" idx="12"/>
+          </p:nvPr>
+        </p:nvSpPr>
+        <p:spPr/>
+        <p:txBody>
+          <a:bodyPr/>
+          <a:lstStyle/>
+          <a:p>
+            <a:fld id="{04AF2B3D-E730-43CE-AF5A-48E6BC4F6EB3}" type="slidenum">
+              <a:rPr lang="en-US" smtClean="0"/>
+              <a:t>25</a:t>
+            </a:fld>
+            <a:endParaRPr lang="en-US"/>
+          </a:p>
+        </p:txBody>
+      </p:sp>
     </p:spTree>
     <p:extLst>
       <p:ext uri="{BB962C8B-B14F-4D97-AF65-F5344CB8AC3E}">
@@ -10059,7 +10942,7 @@
         <p:spPr>
           <a:xfrm>
             <a:off x="3120190" y="2307467"/>
-            <a:ext cx="4989094" cy="1754326"/>
+            <a:ext cx="4989094" cy="923330"/>
           </a:xfrm>
           <a:prstGeom prst="rect">
             <a:avLst/>
@@ -10075,20 +10958,37 @@
             <a:pPr algn="ctr"/>
             <a:r>
               <a:rPr lang="en-US" sz="5400" b="1" dirty="0"/>
-              <a:t>THANKYOU!!!</a:t>
-            </a:r>
-            <a:br>
-              <a:rPr lang="en-US" sz="5400" b="1" dirty="0"/>
-            </a:br>
-            <a:r>
-              <a:rPr lang="en-US" sz="5400" b="1" dirty="0"/>
-              <a:t>BYE </a:t>
-            </a:r>
-            <a:r>
-              <a:rPr lang="en-US" sz="5400" b="1" dirty="0" err="1"/>
-              <a:t>BYE</a:t>
-            </a:r>
-            <a:endParaRPr lang="en-US" sz="5400" b="1" dirty="0"/>
+              <a:t>THANK YOU</a:t>
+            </a:r>
+          </a:p>
+        </p:txBody>
+      </p:sp>
+      <p:sp>
+        <p:nvSpPr>
+          <p:cNvPr id="2" name="Slide Number Placeholder 1">
+            <a:extLst>
+              <a:ext uri="{FF2B5EF4-FFF2-40B4-BE49-F238E27FC236}">
+                <a16:creationId xmlns:a16="http://schemas.microsoft.com/office/drawing/2014/main" id="{849B8360-8BB9-75C8-51CA-6BC2FA530D09}"/>
+              </a:ext>
+            </a:extLst>
+          </p:cNvPr>
+          <p:cNvSpPr>
+            <a:spLocks noGrp="1"/>
+          </p:cNvSpPr>
+          <p:nvPr>
+            <p:ph type="sldNum" sz="quarter" idx="12"/>
+          </p:nvPr>
+        </p:nvSpPr>
+        <p:spPr/>
+        <p:txBody>
+          <a:bodyPr/>
+          <a:lstStyle/>
+          <a:p>
+            <a:fld id="{04AF2B3D-E730-43CE-AF5A-48E6BC4F6EB3}" type="slidenum">
+              <a:rPr lang="en-US" smtClean="0"/>
+              <a:t>26</a:t>
+            </a:fld>
+            <a:endParaRPr lang="en-US"/>
           </a:p>
         </p:txBody>
       </p:sp>
@@ -10331,6 +11231,35 @@
           </a:p>
         </p:txBody>
       </p:sp>
+      <p:sp>
+        <p:nvSpPr>
+          <p:cNvPr id="5" name="Slide Number Placeholder 4">
+            <a:extLst>
+              <a:ext uri="{FF2B5EF4-FFF2-40B4-BE49-F238E27FC236}">
+                <a16:creationId xmlns:a16="http://schemas.microsoft.com/office/drawing/2014/main" id="{37D633C8-3F54-A90F-E714-1F8446A9280A}"/>
+              </a:ext>
+            </a:extLst>
+          </p:cNvPr>
+          <p:cNvSpPr>
+            <a:spLocks noGrp="1"/>
+          </p:cNvSpPr>
+          <p:nvPr>
+            <p:ph type="sldNum" sz="quarter" idx="12"/>
+          </p:nvPr>
+        </p:nvSpPr>
+        <p:spPr/>
+        <p:txBody>
+          <a:bodyPr/>
+          <a:lstStyle/>
+          <a:p>
+            <a:fld id="{04AF2B3D-E730-43CE-AF5A-48E6BC4F6EB3}" type="slidenum">
+              <a:rPr lang="en-US" smtClean="0"/>
+              <a:t>3</a:t>
+            </a:fld>
+            <a:endParaRPr lang="en-US"/>
+          </a:p>
+        </p:txBody>
+      </p:sp>
     </p:spTree>
     <p:extLst>
       <p:ext uri="{BB962C8B-B14F-4D97-AF65-F5344CB8AC3E}">
@@ -10638,6 +11567,35 @@
           </a:p>
         </p:txBody>
       </p:sp>
+      <p:sp>
+        <p:nvSpPr>
+          <p:cNvPr id="6" name="Slide Number Placeholder 5">
+            <a:extLst>
+              <a:ext uri="{FF2B5EF4-FFF2-40B4-BE49-F238E27FC236}">
+                <a16:creationId xmlns:a16="http://schemas.microsoft.com/office/drawing/2014/main" id="{16D42FDD-C114-58A6-661B-B81045CE67B6}"/>
+              </a:ext>
+            </a:extLst>
+          </p:cNvPr>
+          <p:cNvSpPr>
+            <a:spLocks noGrp="1"/>
+          </p:cNvSpPr>
+          <p:nvPr>
+            <p:ph type="sldNum" sz="quarter" idx="12"/>
+          </p:nvPr>
+        </p:nvSpPr>
+        <p:spPr/>
+        <p:txBody>
+          <a:bodyPr/>
+          <a:lstStyle/>
+          <a:p>
+            <a:fld id="{04AF2B3D-E730-43CE-AF5A-48E6BC4F6EB3}" type="slidenum">
+              <a:rPr lang="en-US" smtClean="0"/>
+              <a:t>4</a:t>
+            </a:fld>
+            <a:endParaRPr lang="en-US"/>
+          </a:p>
+        </p:txBody>
+      </p:sp>
     </p:spTree>
     <p:extLst>
       <p:ext uri="{BB962C8B-B14F-4D97-AF65-F5344CB8AC3E}">
@@ -11051,6 +12009,35 @@
           </a:prstGeom>
         </p:spPr>
       </p:pic>
+      <p:sp>
+        <p:nvSpPr>
+          <p:cNvPr id="3" name="Slide Number Placeholder 2">
+            <a:extLst>
+              <a:ext uri="{FF2B5EF4-FFF2-40B4-BE49-F238E27FC236}">
+                <a16:creationId xmlns:a16="http://schemas.microsoft.com/office/drawing/2014/main" id="{20129847-F372-A122-E08D-7E43561762D8}"/>
+              </a:ext>
+            </a:extLst>
+          </p:cNvPr>
+          <p:cNvSpPr>
+            <a:spLocks noGrp="1"/>
+          </p:cNvSpPr>
+          <p:nvPr>
+            <p:ph type="sldNum" sz="quarter" idx="12"/>
+          </p:nvPr>
+        </p:nvSpPr>
+        <p:spPr/>
+        <p:txBody>
+          <a:bodyPr/>
+          <a:lstStyle/>
+          <a:p>
+            <a:fld id="{04AF2B3D-E730-43CE-AF5A-48E6BC4F6EB3}" type="slidenum">
+              <a:rPr lang="en-US" smtClean="0"/>
+              <a:t>5</a:t>
+            </a:fld>
+            <a:endParaRPr lang="en-US"/>
+          </a:p>
+        </p:txBody>
+      </p:sp>
     </p:spTree>
     <p:extLst>
       <p:ext uri="{BB962C8B-B14F-4D97-AF65-F5344CB8AC3E}">
@@ -11571,6 +12558,35 @@
           </a:p>
         </p:txBody>
       </p:sp>
+      <p:sp>
+        <p:nvSpPr>
+          <p:cNvPr id="5" name="Slide Number Placeholder 4">
+            <a:extLst>
+              <a:ext uri="{FF2B5EF4-FFF2-40B4-BE49-F238E27FC236}">
+                <a16:creationId xmlns:a16="http://schemas.microsoft.com/office/drawing/2014/main" id="{F898FC8F-DB5A-8A9D-DB1F-3D1E4B301547}"/>
+              </a:ext>
+            </a:extLst>
+          </p:cNvPr>
+          <p:cNvSpPr>
+            <a:spLocks noGrp="1"/>
+          </p:cNvSpPr>
+          <p:nvPr>
+            <p:ph type="sldNum" sz="quarter" idx="12"/>
+          </p:nvPr>
+        </p:nvSpPr>
+        <p:spPr/>
+        <p:txBody>
+          <a:bodyPr/>
+          <a:lstStyle/>
+          <a:p>
+            <a:fld id="{04AF2B3D-E730-43CE-AF5A-48E6BC4F6EB3}" type="slidenum">
+              <a:rPr lang="en-US" smtClean="0"/>
+              <a:t>6</a:t>
+            </a:fld>
+            <a:endParaRPr lang="en-US"/>
+          </a:p>
+        </p:txBody>
+      </p:sp>
     </p:spTree>
     <p:extLst>
       <p:ext uri="{BB962C8B-B14F-4D97-AF65-F5344CB8AC3E}">
@@ -12118,6 +13134,35 @@
           </a:p>
         </p:txBody>
       </p:sp>
+      <p:sp>
+        <p:nvSpPr>
+          <p:cNvPr id="4" name="Slide Number Placeholder 3">
+            <a:extLst>
+              <a:ext uri="{FF2B5EF4-FFF2-40B4-BE49-F238E27FC236}">
+                <a16:creationId xmlns:a16="http://schemas.microsoft.com/office/drawing/2014/main" id="{224B0F4E-221B-0336-C896-EA6A82F02D00}"/>
+              </a:ext>
+            </a:extLst>
+          </p:cNvPr>
+          <p:cNvSpPr>
+            <a:spLocks noGrp="1"/>
+          </p:cNvSpPr>
+          <p:nvPr>
+            <p:ph type="sldNum" sz="quarter" idx="12"/>
+          </p:nvPr>
+        </p:nvSpPr>
+        <p:spPr/>
+        <p:txBody>
+          <a:bodyPr/>
+          <a:lstStyle/>
+          <a:p>
+            <a:fld id="{04AF2B3D-E730-43CE-AF5A-48E6BC4F6EB3}" type="slidenum">
+              <a:rPr lang="en-US" smtClean="0"/>
+              <a:t>7</a:t>
+            </a:fld>
+            <a:endParaRPr lang="en-US"/>
+          </a:p>
+        </p:txBody>
+      </p:sp>
     </p:spTree>
     <p:extLst>
       <p:ext uri="{BB962C8B-B14F-4D97-AF65-F5344CB8AC3E}">
@@ -12203,6 +13248,35 @@
           </a:p>
         </p:txBody>
       </p:sp>
+      <p:sp>
+        <p:nvSpPr>
+          <p:cNvPr id="3" name="Slide Number Placeholder 2">
+            <a:extLst>
+              <a:ext uri="{FF2B5EF4-FFF2-40B4-BE49-F238E27FC236}">
+                <a16:creationId xmlns:a16="http://schemas.microsoft.com/office/drawing/2014/main" id="{BBEC848C-AC93-0AEF-8A5D-D37E5DAD89D6}"/>
+              </a:ext>
+            </a:extLst>
+          </p:cNvPr>
+          <p:cNvSpPr>
+            <a:spLocks noGrp="1"/>
+          </p:cNvSpPr>
+          <p:nvPr>
+            <p:ph type="sldNum" sz="quarter" idx="12"/>
+          </p:nvPr>
+        </p:nvSpPr>
+        <p:spPr/>
+        <p:txBody>
+          <a:bodyPr/>
+          <a:lstStyle/>
+          <a:p>
+            <a:fld id="{04AF2B3D-E730-43CE-AF5A-48E6BC4F6EB3}" type="slidenum">
+              <a:rPr lang="en-US" smtClean="0"/>
+              <a:t>8</a:t>
+            </a:fld>
+            <a:endParaRPr lang="en-US"/>
+          </a:p>
+        </p:txBody>
+      </p:sp>
     </p:spTree>
     <p:extLst>
       <p:ext uri="{BB962C8B-B14F-4D97-AF65-F5344CB8AC3E}">
@@ -12294,6 +13368,35 @@
               <a:rPr lang="en-US" b="1" dirty="0"/>
               <a:t>	</a:t>
             </a:r>
+          </a:p>
+        </p:txBody>
+      </p:sp>
+      <p:sp>
+        <p:nvSpPr>
+          <p:cNvPr id="3" name="Slide Number Placeholder 2">
+            <a:extLst>
+              <a:ext uri="{FF2B5EF4-FFF2-40B4-BE49-F238E27FC236}">
+                <a16:creationId xmlns:a16="http://schemas.microsoft.com/office/drawing/2014/main" id="{DC979B64-E4ED-3FF8-BFAF-09B6F9D7CDA1}"/>
+              </a:ext>
+            </a:extLst>
+          </p:cNvPr>
+          <p:cNvSpPr>
+            <a:spLocks noGrp="1"/>
+          </p:cNvSpPr>
+          <p:nvPr>
+            <p:ph type="sldNum" sz="quarter" idx="12"/>
+          </p:nvPr>
+        </p:nvSpPr>
+        <p:spPr/>
+        <p:txBody>
+          <a:bodyPr/>
+          <a:lstStyle/>
+          <a:p>
+            <a:fld id="{04AF2B3D-E730-43CE-AF5A-48E6BC4F6EB3}" type="slidenum">
+              <a:rPr lang="en-US" smtClean="0"/>
+              <a:t>9</a:t>
+            </a:fld>
+            <a:endParaRPr lang="en-US"/>
           </a:p>
         </p:txBody>
       </p:sp>
@@ -12603,4 +13706,299 @@
     </a:ext>
   </a:extLst>
 </a:theme>
+</file>
+
+<file path=ppt/theme/theme2.xml><?xml version="1.0" encoding="utf-8"?>
+<a:theme xmlns:a="http://schemas.openxmlformats.org/drawingml/2006/main" name="Office Theme">
+  <a:themeElements>
+    <a:clrScheme name="Office">
+      <a:dk1>
+        <a:sysClr val="windowText" lastClr="000000"/>
+      </a:dk1>
+      <a:lt1>
+        <a:sysClr val="window" lastClr="FFFFFF"/>
+      </a:lt1>
+      <a:dk2>
+        <a:srgbClr val="44546A"/>
+      </a:dk2>
+      <a:lt2>
+        <a:srgbClr val="E7E6E6"/>
+      </a:lt2>
+      <a:accent1>
+        <a:srgbClr val="4472C4"/>
+      </a:accent1>
+      <a:accent2>
+        <a:srgbClr val="ED7D31"/>
+      </a:accent2>
+      <a:accent3>
+        <a:srgbClr val="A5A5A5"/>
+      </a:accent3>
+      <a:accent4>
+        <a:srgbClr val="FFC000"/>
+      </a:accent4>
+      <a:accent5>
+        <a:srgbClr val="5B9BD5"/>
+      </a:accent5>
+      <a:accent6>
+        <a:srgbClr val="70AD47"/>
+      </a:accent6>
+      <a:hlink>
+        <a:srgbClr val="0563C1"/>
+      </a:hlink>
+      <a:folHlink>
+        <a:srgbClr val="954F72"/>
+      </a:folHlink>
+    </a:clrScheme>
+    <a:fontScheme name="Office">
+      <a:majorFont>
+        <a:latin typeface="Calibri Light" panose="020F0302020204030204"/>
+        <a:ea typeface=""/>
+        <a:cs typeface=""/>
+        <a:font script="Jpan" typeface="游ゴシック Light"/>
+        <a:font script="Hang" typeface="맑은 고딕"/>
+        <a:font script="Hans" typeface="等线 Light"/>
+        <a:font script="Hant" typeface="新細明體"/>
+        <a:font script="Arab" typeface="Times New Roman"/>
+        <a:font script="Hebr" typeface="Times New Roman"/>
+        <a:font script="Thai" typeface="Angsana New"/>
+        <a:font script="Ethi" typeface="Nyala"/>
+        <a:font script="Beng" typeface="Vrinda"/>
+        <a:font script="Gujr" typeface="Shruti"/>
+        <a:font script="Khmr" typeface="MoolBoran"/>
+        <a:font script="Knda" typeface="Tunga"/>
+        <a:font script="Guru" typeface="Raavi"/>
+        <a:font script="Cans" typeface="Euphemia"/>
+        <a:font script="Cher" typeface="Plantagenet Cherokee"/>
+        <a:font script="Yiii" typeface="Microsoft Yi Baiti"/>
+        <a:font script="Tibt" typeface="Microsoft Himalaya"/>
+        <a:font script="Thaa" typeface="MV Boli"/>
+        <a:font script="Deva" typeface="Mangal"/>
+        <a:font script="Telu" typeface="Gautami"/>
+        <a:font script="Taml" typeface="Latha"/>
+        <a:font script="Syrc" typeface="Estrangelo Edessa"/>
+        <a:font script="Orya" typeface="Kalinga"/>
+        <a:font script="Mlym" typeface="Kartika"/>
+        <a:font script="Laoo" typeface="DokChampa"/>
+        <a:font script="Sinh" typeface="Iskoola Pota"/>
+        <a:font script="Mong" typeface="Mongolian Baiti"/>
+        <a:font script="Viet" typeface="Times New Roman"/>
+        <a:font script="Uigh" typeface="Microsoft Uighur"/>
+        <a:font script="Geor" typeface="Sylfaen"/>
+        <a:font script="Armn" typeface="Arial"/>
+        <a:font script="Bugi" typeface="Leelawadee UI"/>
+        <a:font script="Bopo" typeface="Microsoft JhengHei"/>
+        <a:font script="Java" typeface="Javanese Text"/>
+        <a:font script="Lisu" typeface="Segoe UI"/>
+        <a:font script="Mymr" typeface="Myanmar Text"/>
+        <a:font script="Nkoo" typeface="Ebrima"/>
+        <a:font script="Olck" typeface="Nirmala UI"/>
+        <a:font script="Osma" typeface="Ebrima"/>
+        <a:font script="Phag" typeface="Phagspa"/>
+        <a:font script="Syrn" typeface="Estrangelo Edessa"/>
+        <a:font script="Syrj" typeface="Estrangelo Edessa"/>
+        <a:font script="Syre" typeface="Estrangelo Edessa"/>
+        <a:font script="Sora" typeface="Nirmala UI"/>
+        <a:font script="Tale" typeface="Microsoft Tai Le"/>
+        <a:font script="Talu" typeface="Microsoft New Tai Lue"/>
+        <a:font script="Tfng" typeface="Ebrima"/>
+      </a:majorFont>
+      <a:minorFont>
+        <a:latin typeface="Calibri" panose="020F0502020204030204"/>
+        <a:ea typeface=""/>
+        <a:cs typeface=""/>
+        <a:font script="Jpan" typeface="游ゴシック"/>
+        <a:font script="Hang" typeface="맑은 고딕"/>
+        <a:font script="Hans" typeface="等线"/>
+        <a:font script="Hant" typeface="新細明體"/>
+        <a:font script="Arab" typeface="Arial"/>
+        <a:font script="Hebr" typeface="Arial"/>
+        <a:font script="Thai" typeface="Cordia New"/>
+        <a:font script="Ethi" typeface="Nyala"/>
+        <a:font script="Beng" typeface="Vrinda"/>
+        <a:font script="Gujr" typeface="Shruti"/>
+        <a:font script="Khmr" typeface="DaunPenh"/>
+        <a:font script="Knda" typeface="Tunga"/>
+        <a:font script="Guru" typeface="Raavi"/>
+        <a:font script="Cans" typeface="Euphemia"/>
+        <a:font script="Cher" typeface="Plantagenet Cherokee"/>
+        <a:font script="Yiii" typeface="Microsoft Yi Baiti"/>
+        <a:font script="Tibt" typeface="Microsoft Himalaya"/>
+        <a:font script="Thaa" typeface="MV Boli"/>
+        <a:font script="Deva" typeface="Mangal"/>
+        <a:font script="Telu" typeface="Gautami"/>
+        <a:font script="Taml" typeface="Latha"/>
+        <a:font script="Syrc" typeface="Estrangelo Edessa"/>
+        <a:font script="Orya" typeface="Kalinga"/>
+        <a:font script="Mlym" typeface="Kartika"/>
+        <a:font script="Laoo" typeface="DokChampa"/>
+        <a:font script="Sinh" typeface="Iskoola Pota"/>
+        <a:font script="Mong" typeface="Mongolian Baiti"/>
+        <a:font script="Viet" typeface="Arial"/>
+        <a:font script="Uigh" typeface="Microsoft Uighur"/>
+        <a:font script="Geor" typeface="Sylfaen"/>
+        <a:font script="Armn" typeface="Arial"/>
+        <a:font script="Bugi" typeface="Leelawadee UI"/>
+        <a:font script="Bopo" typeface="Microsoft JhengHei"/>
+        <a:font script="Java" typeface="Javanese Text"/>
+        <a:font script="Lisu" typeface="Segoe UI"/>
+        <a:font script="Mymr" typeface="Myanmar Text"/>
+        <a:font script="Nkoo" typeface="Ebrima"/>
+        <a:font script="Olck" typeface="Nirmala UI"/>
+        <a:font script="Osma" typeface="Ebrima"/>
+        <a:font script="Phag" typeface="Phagspa"/>
+        <a:font script="Syrn" typeface="Estrangelo Edessa"/>
+        <a:font script="Syrj" typeface="Estrangelo Edessa"/>
+        <a:font script="Syre" typeface="Estrangelo Edessa"/>
+        <a:font script="Sora" typeface="Nirmala UI"/>
+        <a:font script="Tale" typeface="Microsoft Tai Le"/>
+        <a:font script="Talu" typeface="Microsoft New Tai Lue"/>
+        <a:font script="Tfng" typeface="Ebrima"/>
+      </a:minorFont>
+    </a:fontScheme>
+    <a:fmtScheme name="Office">
+      <a:fillStyleLst>
+        <a:solidFill>
+          <a:schemeClr val="phClr"/>
+        </a:solidFill>
+        <a:gradFill rotWithShape="1">
+          <a:gsLst>
+            <a:gs pos="0">
+              <a:schemeClr val="phClr">
+                <a:lumMod val="110000"/>
+                <a:satMod val="105000"/>
+                <a:tint val="67000"/>
+              </a:schemeClr>
+            </a:gs>
+            <a:gs pos="50000">
+              <a:schemeClr val="phClr">
+                <a:lumMod val="105000"/>
+                <a:satMod val="103000"/>
+                <a:tint val="73000"/>
+              </a:schemeClr>
+            </a:gs>
+            <a:gs pos="100000">
+              <a:schemeClr val="phClr">
+                <a:lumMod val="105000"/>
+                <a:satMod val="109000"/>
+                <a:tint val="81000"/>
+              </a:schemeClr>
+            </a:gs>
+          </a:gsLst>
+          <a:lin ang="5400000" scaled="0"/>
+        </a:gradFill>
+        <a:gradFill rotWithShape="1">
+          <a:gsLst>
+            <a:gs pos="0">
+              <a:schemeClr val="phClr">
+                <a:satMod val="103000"/>
+                <a:lumMod val="102000"/>
+                <a:tint val="94000"/>
+              </a:schemeClr>
+            </a:gs>
+            <a:gs pos="50000">
+              <a:schemeClr val="phClr">
+                <a:satMod val="110000"/>
+                <a:lumMod val="100000"/>
+                <a:shade val="100000"/>
+              </a:schemeClr>
+            </a:gs>
+            <a:gs pos="100000">
+              <a:schemeClr val="phClr">
+                <a:lumMod val="99000"/>
+                <a:satMod val="120000"/>
+                <a:shade val="78000"/>
+              </a:schemeClr>
+            </a:gs>
+          </a:gsLst>
+          <a:lin ang="5400000" scaled="0"/>
+        </a:gradFill>
+      </a:fillStyleLst>
+      <a:lnStyleLst>
+        <a:ln w="6350" cap="flat" cmpd="sng" algn="ctr">
+          <a:solidFill>
+            <a:schemeClr val="phClr"/>
+          </a:solidFill>
+          <a:prstDash val="solid"/>
+          <a:miter lim="800000"/>
+        </a:ln>
+        <a:ln w="12700" cap="flat" cmpd="sng" algn="ctr">
+          <a:solidFill>
+            <a:schemeClr val="phClr"/>
+          </a:solidFill>
+          <a:prstDash val="solid"/>
+          <a:miter lim="800000"/>
+        </a:ln>
+        <a:ln w="19050" cap="flat" cmpd="sng" algn="ctr">
+          <a:solidFill>
+            <a:schemeClr val="phClr"/>
+          </a:solidFill>
+          <a:prstDash val="solid"/>
+          <a:miter lim="800000"/>
+        </a:ln>
+      </a:lnStyleLst>
+      <a:effectStyleLst>
+        <a:effectStyle>
+          <a:effectLst/>
+        </a:effectStyle>
+        <a:effectStyle>
+          <a:effectLst/>
+        </a:effectStyle>
+        <a:effectStyle>
+          <a:effectLst>
+            <a:outerShdw blurRad="57150" dist="19050" dir="5400000" algn="ctr" rotWithShape="0">
+              <a:srgbClr val="000000">
+                <a:alpha val="63000"/>
+              </a:srgbClr>
+            </a:outerShdw>
+          </a:effectLst>
+        </a:effectStyle>
+      </a:effectStyleLst>
+      <a:bgFillStyleLst>
+        <a:solidFill>
+          <a:schemeClr val="phClr"/>
+        </a:solidFill>
+        <a:solidFill>
+          <a:schemeClr val="phClr">
+            <a:tint val="95000"/>
+            <a:satMod val="170000"/>
+          </a:schemeClr>
+        </a:solidFill>
+        <a:gradFill rotWithShape="1">
+          <a:gsLst>
+            <a:gs pos="0">
+              <a:schemeClr val="phClr">
+                <a:tint val="93000"/>
+                <a:satMod val="150000"/>
+                <a:shade val="98000"/>
+                <a:lumMod val="102000"/>
+              </a:schemeClr>
+            </a:gs>
+            <a:gs pos="50000">
+              <a:schemeClr val="phClr">
+                <a:tint val="98000"/>
+                <a:satMod val="130000"/>
+                <a:shade val="90000"/>
+                <a:lumMod val="103000"/>
+              </a:schemeClr>
+            </a:gs>
+            <a:gs pos="100000">
+              <a:schemeClr val="phClr">
+                <a:shade val="63000"/>
+                <a:satMod val="120000"/>
+              </a:schemeClr>
+            </a:gs>
+          </a:gsLst>
+          <a:lin ang="5400000" scaled="0"/>
+        </a:gradFill>
+      </a:bgFillStyleLst>
+    </a:fmtScheme>
+  </a:themeElements>
+  <a:objectDefaults/>
+  <a:extraClrSchemeLst/>
+  <a:extLst>
+    <a:ext uri="{05A4C25C-085E-4340-85A3-A5531E510DB2}">
+      <thm15:themeFamily xmlns:thm15="http://schemas.microsoft.com/office/thememl/2012/main" name="Office Theme" id="{62F939B6-93AF-4DB8-9C6B-D6C7DFDC589F}" vid="{4A3C46E8-61CC-4603-A589-7422A47A8E4A}"/>
+    </a:ext>
+  </a:extLst>
+</a:theme>
 </file>